--- a/documentation/git + blockchain inspiration.pptx
+++ b/documentation/git + blockchain inspiration.pptx
@@ -302,7 +302,7 @@
           <a:p>
             <a:fld id="{F8E80B9B-7975-4828-86E4-48DB44E7E5A2}" type="datetimeFigureOut">
               <a:rPr lang="en-US" smtClean="0"/>
-              <a:t>3/9/2022</a:t>
+              <a:t>3/29/2022</a:t>
             </a:fld>
             <a:endParaRPr lang="en-US" dirty="0"/>
           </a:p>
@@ -500,7 +500,7 @@
           <a:p>
             <a:fld id="{F8E80B9B-7975-4828-86E4-48DB44E7E5A2}" type="datetimeFigureOut">
               <a:rPr lang="en-US" smtClean="0"/>
-              <a:t>3/9/2022</a:t>
+              <a:t>3/29/2022</a:t>
             </a:fld>
             <a:endParaRPr lang="en-US" dirty="0"/>
           </a:p>
@@ -708,7 +708,7 @@
           <a:p>
             <a:fld id="{F8E80B9B-7975-4828-86E4-48DB44E7E5A2}" type="datetimeFigureOut">
               <a:rPr lang="en-US" smtClean="0"/>
-              <a:t>3/9/2022</a:t>
+              <a:t>3/29/2022</a:t>
             </a:fld>
             <a:endParaRPr lang="en-US" dirty="0"/>
           </a:p>
@@ -906,7 +906,7 @@
           <a:p>
             <a:fld id="{F8E80B9B-7975-4828-86E4-48DB44E7E5A2}" type="datetimeFigureOut">
               <a:rPr lang="en-US" smtClean="0"/>
-              <a:t>3/9/2022</a:t>
+              <a:t>3/29/2022</a:t>
             </a:fld>
             <a:endParaRPr lang="en-US" dirty="0"/>
           </a:p>
@@ -1181,7 +1181,7 @@
           <a:p>
             <a:fld id="{F8E80B9B-7975-4828-86E4-48DB44E7E5A2}" type="datetimeFigureOut">
               <a:rPr lang="en-US" smtClean="0"/>
-              <a:t>3/9/2022</a:t>
+              <a:t>3/29/2022</a:t>
             </a:fld>
             <a:endParaRPr lang="en-US" dirty="0"/>
           </a:p>
@@ -1446,7 +1446,7 @@
           <a:p>
             <a:fld id="{F8E80B9B-7975-4828-86E4-48DB44E7E5A2}" type="datetimeFigureOut">
               <a:rPr lang="en-US" smtClean="0"/>
-              <a:t>3/9/2022</a:t>
+              <a:t>3/29/2022</a:t>
             </a:fld>
             <a:endParaRPr lang="en-US" dirty="0"/>
           </a:p>
@@ -1858,7 +1858,7 @@
           <a:p>
             <a:fld id="{F8E80B9B-7975-4828-86E4-48DB44E7E5A2}" type="datetimeFigureOut">
               <a:rPr lang="en-US" smtClean="0"/>
-              <a:t>3/9/2022</a:t>
+              <a:t>3/29/2022</a:t>
             </a:fld>
             <a:endParaRPr lang="en-US" dirty="0"/>
           </a:p>
@@ -1999,7 +1999,7 @@
           <a:p>
             <a:fld id="{F8E80B9B-7975-4828-86E4-48DB44E7E5A2}" type="datetimeFigureOut">
               <a:rPr lang="en-US" smtClean="0"/>
-              <a:t>3/9/2022</a:t>
+              <a:t>3/29/2022</a:t>
             </a:fld>
             <a:endParaRPr lang="en-US" dirty="0"/>
           </a:p>
@@ -2112,7 +2112,7 @@
           <a:p>
             <a:fld id="{F8E80B9B-7975-4828-86E4-48DB44E7E5A2}" type="datetimeFigureOut">
               <a:rPr lang="en-US" smtClean="0"/>
-              <a:t>3/9/2022</a:t>
+              <a:t>3/29/2022</a:t>
             </a:fld>
             <a:endParaRPr lang="en-US" dirty="0"/>
           </a:p>
@@ -2423,7 +2423,7 @@
           <a:p>
             <a:fld id="{F8E80B9B-7975-4828-86E4-48DB44E7E5A2}" type="datetimeFigureOut">
               <a:rPr lang="en-US" smtClean="0"/>
-              <a:t>3/9/2022</a:t>
+              <a:t>3/29/2022</a:t>
             </a:fld>
             <a:endParaRPr lang="en-US" dirty="0"/>
           </a:p>
@@ -2711,7 +2711,7 @@
           <a:p>
             <a:fld id="{F8E80B9B-7975-4828-86E4-48DB44E7E5A2}" type="datetimeFigureOut">
               <a:rPr lang="en-US" smtClean="0"/>
-              <a:t>3/9/2022</a:t>
+              <a:t>3/29/2022</a:t>
             </a:fld>
             <a:endParaRPr lang="en-US" dirty="0"/>
           </a:p>
@@ -2952,7 +2952,7 @@
           <a:p>
             <a:fld id="{F8E80B9B-7975-4828-86E4-48DB44E7E5A2}" type="datetimeFigureOut">
               <a:rPr lang="en-US" smtClean="0"/>
-              <a:t>3/9/2022</a:t>
+              <a:t>3/29/2022</a:t>
             </a:fld>
             <a:endParaRPr lang="en-US" dirty="0"/>
           </a:p>
@@ -9881,7 +9881,7 @@
         <p:spPr>
           <a:xfrm>
             <a:off x="5194253" y="1977220"/>
-            <a:ext cx="2521226" cy="2925285"/>
+            <a:ext cx="2521226" cy="3468744"/>
           </a:xfrm>
           <a:prstGeom prst="rect">
             <a:avLst/>
@@ -9934,7 +9934,7 @@
         </p:nvSpPr>
         <p:spPr>
           <a:xfrm>
-            <a:off x="5546137" y="2757479"/>
+            <a:off x="5543548" y="2757479"/>
             <a:ext cx="1827817" cy="548640"/>
           </a:xfrm>
           <a:prstGeom prst="rect">
@@ -9964,7 +9964,7 @@
             <a:pPr algn="ctr"/>
             <a:r>
               <a:rPr lang="en-US" dirty="0" err="1"/>
-              <a:t>content_value</a:t>
+              <a:t>instance_field_id</a:t>
             </a:r>
             <a:endParaRPr lang="en-US" dirty="0"/>
           </a:p>
@@ -9984,7 +9984,7 @@
         </p:nvSpPr>
         <p:spPr>
           <a:xfrm>
-            <a:off x="5546138" y="3425866"/>
+            <a:off x="5543547" y="3425865"/>
             <a:ext cx="1827818" cy="548640"/>
           </a:xfrm>
           <a:prstGeom prst="rect">
@@ -10014,7 +10014,7 @@
             <a:pPr algn="ctr"/>
             <a:r>
               <a:rPr lang="en-US" dirty="0" err="1"/>
-              <a:t>instance_field_id</a:t>
+              <a:t>creator_id</a:t>
             </a:r>
             <a:endParaRPr lang="en-US" dirty="0"/>
           </a:p>
@@ -10035,7 +10035,7 @@
         <p:spPr>
           <a:xfrm>
             <a:off x="3646711" y="2764047"/>
-            <a:ext cx="914400" cy="1878845"/>
+            <a:ext cx="911641" cy="2547231"/>
           </a:xfrm>
           <a:prstGeom prst="rect">
             <a:avLst/>
@@ -10137,8 +10137,8 @@
         </p:nvCxnSpPr>
         <p:spPr>
           <a:xfrm rot="10800000" flipV="1">
-            <a:off x="4561112" y="3700186"/>
-            <a:ext cx="985027" cy="3284"/>
+            <a:off x="4558353" y="3700185"/>
+            <a:ext cx="985195" cy="337478"/>
           </a:xfrm>
           <a:prstGeom prst="bentConnector3">
             <a:avLst>
@@ -10182,8 +10182,8 @@
         </p:nvCxnSpPr>
         <p:spPr>
           <a:xfrm rot="10800000" flipV="1">
-            <a:off x="4561111" y="3031798"/>
-            <a:ext cx="985026" cy="671671"/>
+            <a:off x="4558352" y="3031799"/>
+            <a:ext cx="985196" cy="1005864"/>
           </a:xfrm>
           <a:prstGeom prst="bentConnector3">
             <a:avLst>
@@ -10227,8 +10227,8 @@
         </p:nvCxnSpPr>
         <p:spPr>
           <a:xfrm rot="5400000" flipH="1" flipV="1">
-            <a:off x="4435201" y="1905843"/>
-            <a:ext cx="526915" cy="1189495"/>
+            <a:off x="4434512" y="1905153"/>
+            <a:ext cx="526915" cy="1190874"/>
           </a:xfrm>
           <a:prstGeom prst="bentConnector2">
             <a:avLst/>
@@ -10266,7 +10266,7 @@
         </p:nvSpPr>
         <p:spPr>
           <a:xfrm>
-            <a:off x="5546136" y="4094252"/>
+            <a:off x="5543547" y="4094251"/>
             <a:ext cx="1827818" cy="548640"/>
           </a:xfrm>
           <a:prstGeom prst="rect">
@@ -10296,7 +10296,7 @@
             <a:pPr algn="ctr"/>
             <a:r>
               <a:rPr lang="en-US" dirty="0" err="1"/>
-              <a:t>updated_at</a:t>
+              <a:t>content_value</a:t>
             </a:r>
             <a:endParaRPr lang="en-US" dirty="0"/>
           </a:p>
@@ -10320,11 +10320,106 @@
         </p:nvCxnSpPr>
         <p:spPr>
           <a:xfrm rot="10800000">
-            <a:off x="4561112" y="3703470"/>
-            <a:ext cx="985025" cy="665102"/>
+            <a:off x="4558353" y="4037663"/>
+            <a:ext cx="985195" cy="330908"/>
           </a:xfrm>
           <a:prstGeom prst="bentConnector3">
             <a:avLst/>
+          </a:prstGeom>
+          <a:ln>
+            <a:tailEnd type="triangle"/>
+          </a:ln>
+        </p:spPr>
+        <p:style>
+          <a:lnRef idx="1">
+            <a:schemeClr val="accent1"/>
+          </a:lnRef>
+          <a:fillRef idx="0">
+            <a:schemeClr val="accent1"/>
+          </a:fillRef>
+          <a:effectRef idx="0">
+            <a:schemeClr val="accent1"/>
+          </a:effectRef>
+          <a:fontRef idx="minor">
+            <a:schemeClr val="tx1"/>
+          </a:fontRef>
+        </p:style>
+      </p:cxnSp>
+      <p:sp>
+        <p:nvSpPr>
+          <p:cNvPr id="16" name="Rectangle 15">
+            <a:extLst>
+              <a:ext uri="{FF2B5EF4-FFF2-40B4-BE49-F238E27FC236}">
+                <a16:creationId xmlns:a16="http://schemas.microsoft.com/office/drawing/2014/main" id="{3DDA2151-217B-42BA-A3C4-9E8207240DFA}"/>
+              </a:ext>
+            </a:extLst>
+          </p:cNvPr>
+          <p:cNvSpPr/>
+          <p:nvPr/>
+        </p:nvSpPr>
+        <p:spPr>
+          <a:xfrm>
+            <a:off x="5543547" y="4762638"/>
+            <a:ext cx="1827818" cy="548640"/>
+          </a:xfrm>
+          <a:prstGeom prst="rect">
+            <a:avLst/>
+          </a:prstGeom>
+        </p:spPr>
+        <p:style>
+          <a:lnRef idx="2">
+            <a:schemeClr val="accent1">
+              <a:shade val="50000"/>
+            </a:schemeClr>
+          </a:lnRef>
+          <a:fillRef idx="1">
+            <a:schemeClr val="accent1"/>
+          </a:fillRef>
+          <a:effectRef idx="0">
+            <a:schemeClr val="accent1"/>
+          </a:effectRef>
+          <a:fontRef idx="minor">
+            <a:schemeClr val="lt1"/>
+          </a:fontRef>
+        </p:style>
+        <p:txBody>
+          <a:bodyPr rtlCol="0" anchor="ctr"/>
+          <a:lstStyle/>
+          <a:p>
+            <a:pPr algn="ctr"/>
+            <a:r>
+              <a:rPr lang="en-US" dirty="0" err="1"/>
+              <a:t>updated_at</a:t>
+            </a:r>
+            <a:endParaRPr lang="en-US" dirty="0"/>
+          </a:p>
+        </p:txBody>
+      </p:sp>
+      <p:cxnSp>
+        <p:nvCxnSpPr>
+          <p:cNvPr id="7" name="Connector: Elbow 6">
+            <a:extLst>
+              <a:ext uri="{FF2B5EF4-FFF2-40B4-BE49-F238E27FC236}">
+                <a16:creationId xmlns:a16="http://schemas.microsoft.com/office/drawing/2014/main" id="{938C919F-8F0E-47E5-8451-5C47D314E477}"/>
+              </a:ext>
+            </a:extLst>
+          </p:cNvPr>
+          <p:cNvCxnSpPr>
+            <a:cxnSpLocks/>
+            <a:stCxn id="16" idx="1"/>
+            <a:endCxn id="40" idx="3"/>
+          </p:cNvCxnSpPr>
+          <p:nvPr/>
+        </p:nvCxnSpPr>
+        <p:spPr>
+          <a:xfrm rot="10800000">
+            <a:off x="4558353" y="4037664"/>
+            <a:ext cx="985195" cy="999295"/>
+          </a:xfrm>
+          <a:prstGeom prst="bentConnector3">
+            <a:avLst>
+              <a:gd name="adj1" fmla="val 50000"/>
+            </a:avLst>
           </a:prstGeom>
           <a:ln>
             <a:tailEnd type="triangle"/>
